--- a/rm1.pptx
+++ b/rm1.pptx
@@ -6,6 +6,8 @@
   </p:sldMasterIdLst>
   <p:sldIdLst>
     <p:sldId id="256" r:id="rId2"/>
+    <p:sldId id="257" r:id="rId3"/>
+    <p:sldId id="258" r:id="rId4"/>
   </p:sldIdLst>
   <p:sldSz cx="12192000" cy="6858000"/>
   <p:notesSz cx="6858000" cy="9144000"/>
@@ -104,6 +106,11 @@
       </a:defRPr>
     </a:lvl9pPr>
   </p:defaultTextStyle>
+  <p:extLst>
+    <p:ext uri="{EFAFB233-063F-42B5-8137-9DF3F51BA10A}">
+      <p15:sldGuideLst xmlns:p15="http://schemas.microsoft.com/office/powerpoint/2012/main"/>
+    </p:ext>
+  </p:extLst>
 </p:presentation>
 </file>
 
@@ -3377,7 +3384,7 @@
         </p:nvSpPr>
         <p:spPr>
           <a:xfrm>
-            <a:off x="2450533" y="744071"/>
+            <a:off x="2386196" y="744071"/>
             <a:ext cx="7419608" cy="923330"/>
           </a:xfrm>
           <a:prstGeom prst="rect">
@@ -3428,7 +3435,7 @@
         </p:nvSpPr>
         <p:spPr>
           <a:xfrm>
-            <a:off x="2450532" y="2962399"/>
+            <a:off x="2450533" y="2031221"/>
             <a:ext cx="6810007" cy="369332"/>
           </a:xfrm>
           <a:prstGeom prst="rect">
@@ -3460,6 +3467,126 @@
     <p:extLst>
       <p:ext uri="{BB962C8B-B14F-4D97-AF65-F5344CB8AC3E}">
         <p14:creationId xmlns:p14="http://schemas.microsoft.com/office/powerpoint/2010/main" val="2180262753"/>
+      </p:ext>
+    </p:extLst>
+  </p:cSld>
+  <p:clrMapOvr>
+    <a:masterClrMapping/>
+  </p:clrMapOvr>
+</p:sld>
+</file>
+
+<file path=ppt/slides/slide2.xml><?xml version="1.0" encoding="utf-8"?>
+<p:sld xmlns:a="http://schemas.openxmlformats.org/drawingml/2006/main" xmlns:r="http://schemas.openxmlformats.org/officeDocument/2006/relationships" xmlns:p="http://schemas.openxmlformats.org/presentationml/2006/main">
+  <p:cSld>
+    <p:spTree>
+      <p:nvGrpSpPr>
+        <p:cNvPr id="1" name=""/>
+        <p:cNvGrpSpPr/>
+        <p:nvPr/>
+      </p:nvGrpSpPr>
+      <p:grpSpPr>
+        <a:xfrm>
+          <a:off x="0" y="0"/>
+          <a:ext cx="0" cy="0"/>
+          <a:chOff x="0" y="0"/>
+          <a:chExt cx="0" cy="0"/>
+        </a:xfrm>
+      </p:grpSpPr>
+      <p:pic>
+        <p:nvPicPr>
+          <p:cNvPr id="5" name="图片 4">
+            <a:extLst>
+              <a:ext uri="{FF2B5EF4-FFF2-40B4-BE49-F238E27FC236}">
+                <a16:creationId xmlns:a16="http://schemas.microsoft.com/office/drawing/2014/main" id="{4CA538DA-D04E-4C3F-9CD1-33620F1D28F5}"/>
+              </a:ext>
+            </a:extLst>
+          </p:cNvPr>
+          <p:cNvPicPr>
+            <a:picLocks noChangeAspect="1"/>
+          </p:cNvPicPr>
+          <p:nvPr/>
+        </p:nvPicPr>
+        <p:blipFill>
+          <a:blip r:embed="rId2"/>
+          <a:stretch>
+            <a:fillRect/>
+          </a:stretch>
+        </p:blipFill>
+        <p:spPr>
+          <a:xfrm>
+            <a:off x="250298" y="-27264"/>
+            <a:ext cx="6892901" cy="6858000"/>
+          </a:xfrm>
+          <a:prstGeom prst="rect">
+            <a:avLst/>
+          </a:prstGeom>
+        </p:spPr>
+      </p:pic>
+    </p:spTree>
+    <p:extLst>
+      <p:ext uri="{BB962C8B-B14F-4D97-AF65-F5344CB8AC3E}">
+        <p14:creationId xmlns:p14="http://schemas.microsoft.com/office/powerpoint/2010/main" val="3551070237"/>
+      </p:ext>
+    </p:extLst>
+  </p:cSld>
+  <p:clrMapOvr>
+    <a:masterClrMapping/>
+  </p:clrMapOvr>
+</p:sld>
+</file>
+
+<file path=ppt/slides/slide3.xml><?xml version="1.0" encoding="utf-8"?>
+<p:sld xmlns:a="http://schemas.openxmlformats.org/drawingml/2006/main" xmlns:r="http://schemas.openxmlformats.org/officeDocument/2006/relationships" xmlns:p="http://schemas.openxmlformats.org/presentationml/2006/main">
+  <p:cSld>
+    <p:spTree>
+      <p:nvGrpSpPr>
+        <p:cNvPr id="1" name=""/>
+        <p:cNvGrpSpPr/>
+        <p:nvPr/>
+      </p:nvGrpSpPr>
+      <p:grpSpPr>
+        <a:xfrm>
+          <a:off x="0" y="0"/>
+          <a:ext cx="0" cy="0"/>
+          <a:chOff x="0" y="0"/>
+          <a:chExt cx="0" cy="0"/>
+        </a:xfrm>
+      </p:grpSpPr>
+      <p:pic>
+        <p:nvPicPr>
+          <p:cNvPr id="4" name="图片 3">
+            <a:extLst>
+              <a:ext uri="{FF2B5EF4-FFF2-40B4-BE49-F238E27FC236}">
+                <a16:creationId xmlns:a16="http://schemas.microsoft.com/office/drawing/2014/main" id="{AFFE4412-AB5A-4CBE-A3B2-4896309F7F47}"/>
+              </a:ext>
+            </a:extLst>
+          </p:cNvPr>
+          <p:cNvPicPr>
+            <a:picLocks noChangeAspect="1"/>
+          </p:cNvPicPr>
+          <p:nvPr/>
+        </p:nvPicPr>
+        <p:blipFill>
+          <a:blip r:embed="rId2"/>
+          <a:stretch>
+            <a:fillRect/>
+          </a:stretch>
+        </p:blipFill>
+        <p:spPr>
+          <a:xfrm>
+            <a:off x="2328345" y="524004"/>
+            <a:ext cx="7535309" cy="5809992"/>
+          </a:xfrm>
+          <a:prstGeom prst="rect">
+            <a:avLst/>
+          </a:prstGeom>
+        </p:spPr>
+      </p:pic>
+    </p:spTree>
+    <p:extLst>
+      <p:ext uri="{BB962C8B-B14F-4D97-AF65-F5344CB8AC3E}">
+        <p14:creationId xmlns:p14="http://schemas.microsoft.com/office/powerpoint/2010/main" val="2886522712"/>
       </p:ext>
     </p:extLst>
   </p:cSld>

--- a/rm1.pptx
+++ b/rm1.pptx
@@ -8,6 +8,7 @@
     <p:sldId id="256" r:id="rId2"/>
     <p:sldId id="257" r:id="rId3"/>
     <p:sldId id="258" r:id="rId4"/>
+    <p:sldId id="259" r:id="rId5"/>
   </p:sldIdLst>
   <p:sldSz cx="12192000" cy="6858000"/>
   <p:notesSz cx="6858000" cy="9144000"/>
@@ -261,7 +262,7 @@
           <a:p>
             <a:fld id="{B0CC023F-0890-42A4-89F0-3870514CE1EB}" type="datetimeFigureOut">
               <a:rPr lang="zh-CN" altLang="en-US" smtClean="0"/>
-              <a:t>2021/10/11</a:t>
+              <a:t>2021/10/18</a:t>
             </a:fld>
             <a:endParaRPr lang="zh-CN" altLang="en-US"/>
           </a:p>
@@ -459,7 +460,7 @@
           <a:p>
             <a:fld id="{B0CC023F-0890-42A4-89F0-3870514CE1EB}" type="datetimeFigureOut">
               <a:rPr lang="zh-CN" altLang="en-US" smtClean="0"/>
-              <a:t>2021/10/11</a:t>
+              <a:t>2021/10/18</a:t>
             </a:fld>
             <a:endParaRPr lang="zh-CN" altLang="en-US"/>
           </a:p>
@@ -667,7 +668,7 @@
           <a:p>
             <a:fld id="{B0CC023F-0890-42A4-89F0-3870514CE1EB}" type="datetimeFigureOut">
               <a:rPr lang="zh-CN" altLang="en-US" smtClean="0"/>
-              <a:t>2021/10/11</a:t>
+              <a:t>2021/10/18</a:t>
             </a:fld>
             <a:endParaRPr lang="zh-CN" altLang="en-US"/>
           </a:p>
@@ -865,7 +866,7 @@
           <a:p>
             <a:fld id="{B0CC023F-0890-42A4-89F0-3870514CE1EB}" type="datetimeFigureOut">
               <a:rPr lang="zh-CN" altLang="en-US" smtClean="0"/>
-              <a:t>2021/10/11</a:t>
+              <a:t>2021/10/18</a:t>
             </a:fld>
             <a:endParaRPr lang="zh-CN" altLang="en-US"/>
           </a:p>
@@ -1140,7 +1141,7 @@
           <a:p>
             <a:fld id="{B0CC023F-0890-42A4-89F0-3870514CE1EB}" type="datetimeFigureOut">
               <a:rPr lang="zh-CN" altLang="en-US" smtClean="0"/>
-              <a:t>2021/10/11</a:t>
+              <a:t>2021/10/18</a:t>
             </a:fld>
             <a:endParaRPr lang="zh-CN" altLang="en-US"/>
           </a:p>
@@ -1405,7 +1406,7 @@
           <a:p>
             <a:fld id="{B0CC023F-0890-42A4-89F0-3870514CE1EB}" type="datetimeFigureOut">
               <a:rPr lang="zh-CN" altLang="en-US" smtClean="0"/>
-              <a:t>2021/10/11</a:t>
+              <a:t>2021/10/18</a:t>
             </a:fld>
             <a:endParaRPr lang="zh-CN" altLang="en-US"/>
           </a:p>
@@ -1817,7 +1818,7 @@
           <a:p>
             <a:fld id="{B0CC023F-0890-42A4-89F0-3870514CE1EB}" type="datetimeFigureOut">
               <a:rPr lang="zh-CN" altLang="en-US" smtClean="0"/>
-              <a:t>2021/10/11</a:t>
+              <a:t>2021/10/18</a:t>
             </a:fld>
             <a:endParaRPr lang="zh-CN" altLang="en-US"/>
           </a:p>
@@ -1958,7 +1959,7 @@
           <a:p>
             <a:fld id="{B0CC023F-0890-42A4-89F0-3870514CE1EB}" type="datetimeFigureOut">
               <a:rPr lang="zh-CN" altLang="en-US" smtClean="0"/>
-              <a:t>2021/10/11</a:t>
+              <a:t>2021/10/18</a:t>
             </a:fld>
             <a:endParaRPr lang="zh-CN" altLang="en-US"/>
           </a:p>
@@ -2071,7 +2072,7 @@
           <a:p>
             <a:fld id="{B0CC023F-0890-42A4-89F0-3870514CE1EB}" type="datetimeFigureOut">
               <a:rPr lang="zh-CN" altLang="en-US" smtClean="0"/>
-              <a:t>2021/10/11</a:t>
+              <a:t>2021/10/18</a:t>
             </a:fld>
             <a:endParaRPr lang="zh-CN" altLang="en-US"/>
           </a:p>
@@ -2382,7 +2383,7 @@
           <a:p>
             <a:fld id="{B0CC023F-0890-42A4-89F0-3870514CE1EB}" type="datetimeFigureOut">
               <a:rPr lang="zh-CN" altLang="en-US" smtClean="0"/>
-              <a:t>2021/10/11</a:t>
+              <a:t>2021/10/18</a:t>
             </a:fld>
             <a:endParaRPr lang="zh-CN" altLang="en-US"/>
           </a:p>
@@ -2670,7 +2671,7 @@
           <a:p>
             <a:fld id="{B0CC023F-0890-42A4-89F0-3870514CE1EB}" type="datetimeFigureOut">
               <a:rPr lang="zh-CN" altLang="en-US" smtClean="0"/>
-              <a:t>2021/10/11</a:t>
+              <a:t>2021/10/18</a:t>
             </a:fld>
             <a:endParaRPr lang="zh-CN" altLang="en-US"/>
           </a:p>
@@ -2911,7 +2912,7 @@
           <a:p>
             <a:fld id="{B0CC023F-0890-42A4-89F0-3870514CE1EB}" type="datetimeFigureOut">
               <a:rPr lang="zh-CN" altLang="en-US" smtClean="0"/>
-              <a:t>2021/10/11</a:t>
+              <a:t>2021/10/18</a:t>
             </a:fld>
             <a:endParaRPr lang="zh-CN" altLang="en-US"/>
           </a:p>
@@ -3596,6 +3597,339 @@
 </p:sld>
 </file>
 
+<file path=ppt/slides/slide4.xml><?xml version="1.0" encoding="utf-8"?>
+<p:sld xmlns:a="http://schemas.openxmlformats.org/drawingml/2006/main" xmlns:r="http://schemas.openxmlformats.org/officeDocument/2006/relationships" xmlns:p="http://schemas.openxmlformats.org/presentationml/2006/main">
+  <p:cSld>
+    <p:spTree>
+      <p:nvGrpSpPr>
+        <p:cNvPr id="1" name=""/>
+        <p:cNvGrpSpPr/>
+        <p:nvPr/>
+      </p:nvGrpSpPr>
+      <p:grpSpPr>
+        <a:xfrm>
+          <a:off x="0" y="0"/>
+          <a:ext cx="0" cy="0"/>
+          <a:chOff x="0" y="0"/>
+          <a:chExt cx="0" cy="0"/>
+        </a:xfrm>
+      </p:grpSpPr>
+      <p:sp>
+        <p:nvSpPr>
+          <p:cNvPr id="4" name="文本框 3">
+            <a:extLst>
+              <a:ext uri="{FF2B5EF4-FFF2-40B4-BE49-F238E27FC236}">
+                <a16:creationId xmlns:a16="http://schemas.microsoft.com/office/drawing/2014/main" id="{87928F44-7834-4E63-8602-4029092D9898}"/>
+              </a:ext>
+            </a:extLst>
+          </p:cNvPr>
+          <p:cNvSpPr txBox="1"/>
+          <p:nvPr/>
+        </p:nvSpPr>
+        <p:spPr>
+          <a:xfrm>
+            <a:off x="152400" y="3336667"/>
+            <a:ext cx="902811" cy="369332"/>
+          </a:xfrm>
+          <a:prstGeom prst="rect">
+            <a:avLst/>
+          </a:prstGeom>
+          <a:noFill/>
+        </p:spPr>
+        <p:txBody>
+          <a:bodyPr wrap="none" rtlCol="0">
+            <a:spAutoFit/>
+          </a:bodyPr>
+          <a:lstStyle/>
+          <a:p>
+            <a:pPr marL="0" marR="0" lvl="0" indent="0" algn="l" defTabSz="914400" rtl="0" eaLnBrk="1" fontAlgn="auto" latinLnBrk="0" hangingPunct="1">
+              <a:lnSpc>
+                <a:spcPct val="100000"/>
+              </a:lnSpc>
+              <a:spcBef>
+                <a:spcPts val="0"/>
+              </a:spcBef>
+              <a:spcAft>
+                <a:spcPts val="0"/>
+              </a:spcAft>
+              <a:buClrTx/>
+              <a:buSzTx/>
+              <a:buFontTx/>
+              <a:buNone/>
+              <a:tabLst/>
+              <a:defRPr/>
+            </a:pPr>
+            <a:r>
+              <a:rPr kumimoji="0" lang="en-US" altLang="zh-CN" sz="1800" b="0" i="0" u="none" strike="noStrike" kern="1200" cap="none" spc="0" normalizeH="0" baseline="0" noProof="0" dirty="0">
+                <a:ln>
+                  <a:noFill/>
+                </a:ln>
+                <a:solidFill>
+                  <a:prstClr val="black"/>
+                </a:solidFill>
+                <a:effectLst/>
+                <a:uLnTx/>
+                <a:uFillTx/>
+                <a:latin typeface="Times New Roman" panose="02020603050405020304" pitchFamily="18" charset="0"/>
+                <a:ea typeface="等线" panose="02010600030101010101" pitchFamily="2" charset="-122"/>
+                <a:cs typeface="Times New Roman" panose="02020603050405020304" pitchFamily="18" charset="0"/>
+              </a:rPr>
+              <a:t>satellite</a:t>
+            </a:r>
+            <a:endParaRPr kumimoji="0" lang="zh-CN" altLang="en-US" sz="1800" b="0" i="0" u="none" strike="noStrike" kern="1200" cap="none" spc="0" normalizeH="0" baseline="0" noProof="0" dirty="0">
+              <a:ln>
+                <a:noFill/>
+              </a:ln>
+              <a:solidFill>
+                <a:prstClr val="black"/>
+              </a:solidFill>
+              <a:effectLst/>
+              <a:uLnTx/>
+              <a:uFillTx/>
+              <a:latin typeface="Times New Roman" panose="02020603050405020304" pitchFamily="18" charset="0"/>
+              <a:ea typeface="等线" panose="02010600030101010101" pitchFamily="2" charset="-122"/>
+              <a:cs typeface="Times New Roman" panose="02020603050405020304" pitchFamily="18" charset="0"/>
+            </a:endParaRPr>
+          </a:p>
+        </p:txBody>
+      </p:sp>
+      <p:sp>
+        <p:nvSpPr>
+          <p:cNvPr id="6" name="文本框 5">
+            <a:extLst>
+              <a:ext uri="{FF2B5EF4-FFF2-40B4-BE49-F238E27FC236}">
+                <a16:creationId xmlns:a16="http://schemas.microsoft.com/office/drawing/2014/main" id="{77C217A2-ACB5-4DA2-96A6-26CE3893D8AA}"/>
+              </a:ext>
+            </a:extLst>
+          </p:cNvPr>
+          <p:cNvSpPr txBox="1"/>
+          <p:nvPr/>
+        </p:nvSpPr>
+        <p:spPr>
+          <a:xfrm>
+            <a:off x="1598886" y="3336667"/>
+            <a:ext cx="7419608" cy="923330"/>
+          </a:xfrm>
+          <a:prstGeom prst="rect">
+            <a:avLst/>
+          </a:prstGeom>
+          <a:noFill/>
+        </p:spPr>
+        <p:txBody>
+          <a:bodyPr wrap="square">
+            <a:spAutoFit/>
+          </a:bodyPr>
+          <a:lstStyle/>
+          <a:p>
+            <a:pPr marL="0" marR="0" lvl="0" indent="0" algn="l" defTabSz="914400" rtl="0" eaLnBrk="1" fontAlgn="auto" latinLnBrk="0" hangingPunct="1">
+              <a:lnSpc>
+                <a:spcPct val="100000"/>
+              </a:lnSpc>
+              <a:spcBef>
+                <a:spcPts val="0"/>
+              </a:spcBef>
+              <a:spcAft>
+                <a:spcPts val="0"/>
+              </a:spcAft>
+              <a:buClrTx/>
+              <a:buSzTx/>
+              <a:buFontTx/>
+              <a:buNone/>
+              <a:tabLst/>
+              <a:defRPr/>
+            </a:pPr>
+            <a:r>
+              <a:rPr kumimoji="0" lang="en-US" altLang="zh-CN" sz="1800" b="0" i="0" u="none" strike="noStrike" kern="1200" cap="none" spc="0" normalizeH="0" baseline="0" noProof="0" dirty="0">
+                <a:ln>
+                  <a:noFill/>
+                </a:ln>
+                <a:solidFill>
+                  <a:prstClr val="black"/>
+                </a:solidFill>
+                <a:effectLst/>
+                <a:uLnTx/>
+                <a:uFillTx/>
+                <a:latin typeface="Times New Roman" panose="02020603050405020304" pitchFamily="18" charset="0"/>
+                <a:ea typeface="等线" panose="02010600030101010101" pitchFamily="2" charset="-122"/>
+                <a:cs typeface="Times New Roman" panose="02020603050405020304" pitchFamily="18" charset="0"/>
+              </a:rPr>
+              <a:t>two versions of the AHSI onboard the GF5 and ZY1 platforms (China, launched in May 2018 and September 2019, respectively) </a:t>
+            </a:r>
+          </a:p>
+          <a:p>
+            <a:pPr marL="0" marR="0" lvl="0" indent="0" algn="l" defTabSz="914400" rtl="0" eaLnBrk="1" fontAlgn="auto" latinLnBrk="0" hangingPunct="1">
+              <a:lnSpc>
+                <a:spcPct val="100000"/>
+              </a:lnSpc>
+              <a:spcBef>
+                <a:spcPts val="0"/>
+              </a:spcBef>
+              <a:spcAft>
+                <a:spcPts val="0"/>
+              </a:spcAft>
+              <a:buClrTx/>
+              <a:buSzTx/>
+              <a:buFontTx/>
+              <a:buNone/>
+              <a:tabLst/>
+              <a:defRPr/>
+            </a:pPr>
+            <a:r>
+              <a:rPr kumimoji="0" lang="en-US" altLang="zh-CN" sz="1800" b="0" i="0" u="none" strike="noStrike" kern="1200" cap="none" spc="0" normalizeH="0" baseline="0" noProof="0" dirty="0">
+                <a:ln>
+                  <a:noFill/>
+                </a:ln>
+                <a:solidFill>
+                  <a:prstClr val="black"/>
+                </a:solidFill>
+                <a:effectLst/>
+                <a:uLnTx/>
+                <a:uFillTx/>
+                <a:latin typeface="Times New Roman" panose="02020603050405020304" pitchFamily="18" charset="0"/>
+                <a:ea typeface="等线" panose="02010600030101010101" pitchFamily="2" charset="-122"/>
+                <a:cs typeface="Times New Roman" panose="02020603050405020304" pitchFamily="18" charset="0"/>
+              </a:rPr>
+              <a:t>and the core instrument onboard PRISMA (Italy, launched in March 2019). </a:t>
+            </a:r>
+            <a:endParaRPr kumimoji="0" lang="zh-CN" altLang="en-US" sz="1800" b="0" i="0" u="none" strike="noStrike" kern="1200" cap="none" spc="0" normalizeH="0" baseline="0" noProof="0" dirty="0">
+              <a:ln>
+                <a:noFill/>
+              </a:ln>
+              <a:solidFill>
+                <a:prstClr val="black"/>
+              </a:solidFill>
+              <a:effectLst/>
+              <a:uLnTx/>
+              <a:uFillTx/>
+              <a:latin typeface="Times New Roman" panose="02020603050405020304" pitchFamily="18" charset="0"/>
+              <a:ea typeface="等线" panose="02010600030101010101" pitchFamily="2" charset="-122"/>
+              <a:cs typeface="Times New Roman" panose="02020603050405020304" pitchFamily="18" charset="0"/>
+            </a:endParaRPr>
+          </a:p>
+        </p:txBody>
+      </p:sp>
+      <p:sp>
+        <p:nvSpPr>
+          <p:cNvPr id="8" name="文本框 7">
+            <a:extLst>
+              <a:ext uri="{FF2B5EF4-FFF2-40B4-BE49-F238E27FC236}">
+                <a16:creationId xmlns:a16="http://schemas.microsoft.com/office/drawing/2014/main" id="{0ED7AEA1-93A7-4DBE-891F-85559D1F7B96}"/>
+              </a:ext>
+            </a:extLst>
+          </p:cNvPr>
+          <p:cNvSpPr txBox="1"/>
+          <p:nvPr/>
+        </p:nvSpPr>
+        <p:spPr>
+          <a:xfrm>
+            <a:off x="1598886" y="4548611"/>
+            <a:ext cx="6810007" cy="369332"/>
+          </a:xfrm>
+          <a:prstGeom prst="rect">
+            <a:avLst/>
+          </a:prstGeom>
+          <a:noFill/>
+        </p:spPr>
+        <p:txBody>
+          <a:bodyPr wrap="square">
+            <a:spAutoFit/>
+          </a:bodyPr>
+          <a:lstStyle/>
+          <a:p>
+            <a:pPr marL="0" marR="0" lvl="0" indent="0" algn="l" defTabSz="914400" rtl="0" eaLnBrk="1" fontAlgn="auto" latinLnBrk="0" hangingPunct="1">
+              <a:lnSpc>
+                <a:spcPct val="100000"/>
+              </a:lnSpc>
+              <a:spcBef>
+                <a:spcPts val="0"/>
+              </a:spcBef>
+              <a:spcAft>
+                <a:spcPts val="0"/>
+              </a:spcAft>
+              <a:buClrTx/>
+              <a:buSzTx/>
+              <a:buFontTx/>
+              <a:buNone/>
+              <a:tabLst/>
+              <a:defRPr/>
+            </a:pPr>
+            <a:r>
+              <a:rPr kumimoji="0" lang="en-US" altLang="zh-CN" sz="1800" b="0" i="0" u="none" strike="noStrike" kern="1200" cap="none" spc="0" normalizeH="0" baseline="0" noProof="0" dirty="0">
+                <a:ln>
+                  <a:noFill/>
+                </a:ln>
+                <a:solidFill>
+                  <a:prstClr val="black"/>
+                </a:solidFill>
+                <a:effectLst/>
+                <a:uLnTx/>
+                <a:uFillTx/>
+                <a:latin typeface="Times New Roman" panose="02020603050405020304" pitchFamily="18" charset="0"/>
+                <a:ea typeface="等线" panose="02010600030101010101" pitchFamily="2" charset="-122"/>
+                <a:cs typeface="Times New Roman" panose="02020603050405020304" pitchFamily="18" charset="0"/>
+              </a:rPr>
+              <a:t>The 2100- to 2450-nm window is especially sensitive to methane</a:t>
+            </a:r>
+            <a:endParaRPr kumimoji="0" lang="zh-CN" altLang="en-US" sz="1800" b="0" i="0" u="none" strike="noStrike" kern="1200" cap="none" spc="0" normalizeH="0" baseline="0" noProof="0" dirty="0">
+              <a:ln>
+                <a:noFill/>
+              </a:ln>
+              <a:solidFill>
+                <a:prstClr val="black"/>
+              </a:solidFill>
+              <a:effectLst/>
+              <a:uLnTx/>
+              <a:uFillTx/>
+              <a:latin typeface="Times New Roman" panose="02020603050405020304" pitchFamily="18" charset="0"/>
+              <a:ea typeface="等线" panose="02010600030101010101" pitchFamily="2" charset="-122"/>
+              <a:cs typeface="Times New Roman" panose="02020603050405020304" pitchFamily="18" charset="0"/>
+            </a:endParaRPr>
+          </a:p>
+        </p:txBody>
+      </p:sp>
+      <p:pic>
+        <p:nvPicPr>
+          <p:cNvPr id="3" name="图片 2">
+            <a:extLst>
+              <a:ext uri="{FF2B5EF4-FFF2-40B4-BE49-F238E27FC236}">
+                <a16:creationId xmlns:a16="http://schemas.microsoft.com/office/drawing/2014/main" id="{AFFAC59D-0A65-4A2C-8DE9-86C3F6F81502}"/>
+              </a:ext>
+            </a:extLst>
+          </p:cNvPr>
+          <p:cNvPicPr>
+            <a:picLocks noChangeAspect="1"/>
+          </p:cNvPicPr>
+          <p:nvPr/>
+        </p:nvPicPr>
+        <p:blipFill>
+          <a:blip r:embed="rId2"/>
+          <a:stretch>
+            <a:fillRect/>
+          </a:stretch>
+        </p:blipFill>
+        <p:spPr>
+          <a:xfrm>
+            <a:off x="1" y="1"/>
+            <a:ext cx="7243482" cy="2863386"/>
+          </a:xfrm>
+          <a:prstGeom prst="rect">
+            <a:avLst/>
+          </a:prstGeom>
+        </p:spPr>
+      </p:pic>
+    </p:spTree>
+    <p:extLst>
+      <p:ext uri="{BB962C8B-B14F-4D97-AF65-F5344CB8AC3E}">
+        <p14:creationId xmlns:p14="http://schemas.microsoft.com/office/powerpoint/2010/main" val="791802580"/>
+      </p:ext>
+    </p:extLst>
+  </p:cSld>
+  <p:clrMapOvr>
+    <a:masterClrMapping/>
+  </p:clrMapOvr>
+</p:sld>
+</file>
+
 <file path=ppt/theme/theme1.xml><?xml version="1.0" encoding="utf-8"?>
 <a:theme xmlns:a="http://schemas.openxmlformats.org/drawingml/2006/main" name="Office 主题​​">
   <a:themeElements>
